--- a/Getting_Started_with_Data_Viz_I_Tools_for_Research/Getting Started Presentation.pptx
+++ b/Getting_Started_with_Data_Viz_I_Tools_for_Research/Getting Started Presentation.pptx
@@ -588,10 +588,7 @@
               </a:spcBef>
               <a:buNone/>
             </a:pPr>
-            <a:r>
-              <a:rPr lang="en"/>
-              <a:t>Jennifer</a:t>
-            </a:r>
+            <a:endParaRPr dirty="0"/>
           </a:p>
           <a:p>
             <a:pPr lvl="0" rtl="0">
@@ -600,7 +597,10 @@
               </a:spcBef>
               <a:buNone/>
             </a:pPr>
-            <a:endParaRPr/>
+            <a:r>
+              <a:rPr lang="en" dirty="0"/>
+              <a:t>Hello Everyone! Thank you so much for coming to this session today. </a:t>
+            </a:r>
           </a:p>
           <a:p>
             <a:pPr lvl="0" rtl="0">
@@ -609,10 +609,7 @@
               </a:spcBef>
               <a:buNone/>
             </a:pPr>
-            <a:r>
-              <a:rPr lang="en"/>
-              <a:t>Hello Everyone! Thank you so much for coming to this session today. </a:t>
-            </a:r>
+            <a:endParaRPr dirty="0"/>
           </a:p>
           <a:p>
             <a:pPr lvl="0" rtl="0">
@@ -621,7 +618,10 @@
               </a:spcBef>
               <a:buNone/>
             </a:pPr>
-            <a:endParaRPr/>
+            <a:r>
+              <a:rPr lang="en" dirty="0"/>
+              <a:t>We want to take a quick moment to INTRODUCE OURSELVES</a:t>
+            </a:r>
           </a:p>
           <a:p>
             <a:pPr lvl="0" rtl="0">
@@ -630,10 +630,7 @@
               </a:spcBef>
               <a:buNone/>
             </a:pPr>
-            <a:r>
-              <a:rPr lang="en"/>
-              <a:t>We want to take a quick moment to INTRODUCE OURSELVES</a:t>
-            </a:r>
+            <a:endParaRPr dirty="0"/>
           </a:p>
           <a:p>
             <a:pPr lvl="0" rtl="0">
@@ -642,7 +639,10 @@
               </a:spcBef>
               <a:buNone/>
             </a:pPr>
-            <a:endParaRPr/>
+            <a:r>
+              <a:rPr lang="en" dirty="0"/>
+              <a:t>Alison and I will be leading the session together today. </a:t>
+            </a:r>
           </a:p>
           <a:p>
             <a:pPr lvl="0" rtl="0">
@@ -651,10 +651,7 @@
               </a:spcBef>
               <a:buNone/>
             </a:pPr>
-            <a:r>
-              <a:rPr lang="en"/>
-              <a:t>Alison and I will be leading the session together today. </a:t>
-            </a:r>
+            <a:endParaRPr dirty="0"/>
           </a:p>
           <a:p>
             <a:pPr lvl="0" rtl="0">
@@ -663,7 +660,10 @@
               </a:spcBef>
               <a:buNone/>
             </a:pPr>
-            <a:endParaRPr/>
+            <a:r>
+              <a:rPr lang="en" dirty="0"/>
+              <a:t>To talk briefly about this workshop - This is the very first in our brand new series and we are excited to start this. But like anything new, we want and expect these workshops to evolve as we hear feedback from folks like you. Not that you are our guinea pigs, but we want to make sure we are hitting on your needs / concerns. So we expect to be learning a lot just as we hope you do!</a:t>
+            </a:r>
           </a:p>
           <a:p>
             <a:pPr lvl="0" rtl="0">
@@ -672,10 +672,7 @@
               </a:spcBef>
               <a:buNone/>
             </a:pPr>
-            <a:r>
-              <a:rPr lang="en"/>
-              <a:t>To talk briefly about this workshop - This is the very first in our brand new series and we are excited to start this. But like anything new, we want and expect these workshops to evolve as we hear feedback from folks like you. Not that you are our guinea pigs, but we want to make sure we are hitting on your needs / concerns. So we expect to be learning a lot just as we hope you do!</a:t>
-            </a:r>
+            <a:endParaRPr dirty="0"/>
           </a:p>
           <a:p>
             <a:pPr lvl="0" rtl="0">
@@ -684,7 +681,10 @@
               </a:spcBef>
               <a:buNone/>
             </a:pPr>
-            <a:endParaRPr/>
+            <a:r>
+              <a:rPr lang="en" dirty="0"/>
+              <a:t>After the session we hope that you can spend a few minutes filling out a very short survey. </a:t>
+            </a:r>
           </a:p>
           <a:p>
             <a:pPr lvl="0" rtl="0">
@@ -693,19 +693,7 @@
               </a:spcBef>
               <a:buNone/>
             </a:pPr>
-            <a:r>
-              <a:rPr lang="en"/>
-              <a:t>After the session we hope that you can spend a few minutes filling out a very short survey. </a:t>
-            </a:r>
-          </a:p>
-          <a:p>
-            <a:pPr lvl="0" rtl="0">
-              <a:spcBef>
-                <a:spcPts val="0"/>
-              </a:spcBef>
-              <a:buNone/>
-            </a:pPr>
-            <a:endParaRPr/>
+            <a:endParaRPr dirty="0"/>
           </a:p>
           <a:p>
             <a:pPr lvl="0">
@@ -715,7 +703,7 @@
               <a:buNone/>
             </a:pPr>
             <a:r>
-              <a:rPr lang="en"/>
+              <a:rPr lang="en" dirty="0"/>
               <a:t>We will also be passing around a sign in sheet, if you can take a minute to just fill in your name, department, and affiliation (student, faculty, staff) we would really appreciate it. </a:t>
             </a:r>
           </a:p>
@@ -818,10 +806,7 @@
               </a:spcBef>
               <a:buNone/>
             </a:pPr>
-            <a:r>
-              <a:rPr lang="en"/>
-              <a:t>We talk -- is a vis needed? </a:t>
-            </a:r>
+            <a:endParaRPr lang="en" dirty="0"/>
           </a:p>
         </p:txBody>
       </p:sp>
@@ -923,8 +908,12 @@
               <a:buNone/>
             </a:pPr>
             <a:r>
-              <a:rPr lang="en"/>
-              <a:t>Jennifer</a:t>
+              <a:rPr lang="en" dirty="0" smtClean="0"/>
+              <a:t>The </a:t>
+            </a:r>
+            <a:r>
+              <a:rPr lang="en" dirty="0"/>
+              <a:t>cleaning the data step usually takes the longest and for some, isn’t the most fun. But it’s a very important step and will save you time in the long run.</a:t>
             </a:r>
           </a:p>
           <a:p>
@@ -934,19 +923,7 @@
               </a:spcBef>
               <a:buNone/>
             </a:pPr>
-            <a:r>
-              <a:rPr lang="en"/>
-              <a:t>The cleaning the data step usually takes the longest and for some, isn’t the most fun. But it’s a very important step and will save you time in the long run.</a:t>
-            </a:r>
-          </a:p>
-          <a:p>
-            <a:pPr lvl="0" rtl="0">
-              <a:spcBef>
-                <a:spcPts val="0"/>
-              </a:spcBef>
-              <a:buNone/>
-            </a:pPr>
-            <a:endParaRPr/>
+            <a:endParaRPr dirty="0"/>
           </a:p>
           <a:p>
             <a:pPr lvl="0" rtl="0">
@@ -959,7 +936,7 @@
               <a:buNone/>
             </a:pPr>
             <a:r>
-              <a:rPr lang="en"/>
+              <a:rPr lang="en" dirty="0"/>
               <a:t>Cleaning data means removing anything getting in the way of visualizing it using a computer, or modifying raw data in any way. Look for things like trailing spaces (or whitespaces) and other problematic characters. Also look for inconsistencies like those that can often appear in things like addresses. </a:t>
             </a:r>
           </a:p>
@@ -973,7 +950,7 @@
               </a:spcBef>
               <a:buNone/>
             </a:pPr>
-            <a:endParaRPr/>
+            <a:endParaRPr dirty="0"/>
           </a:p>
           <a:p>
             <a:pPr lvl="0" rtl="0">
@@ -986,7 +963,7 @@
               <a:buNone/>
             </a:pPr>
             <a:r>
-              <a:rPr lang="en"/>
+              <a:rPr lang="en" dirty="0"/>
               <a:t>Or misspellings or alternate spellings that can create problems for analysis.</a:t>
             </a:r>
           </a:p>
@@ -1000,7 +977,7 @@
               </a:spcBef>
               <a:buNone/>
             </a:pPr>
-            <a:endParaRPr/>
+            <a:endParaRPr dirty="0"/>
           </a:p>
           <a:p>
             <a:pPr lvl="0" rtl="0">
@@ -1013,7 +990,7 @@
               <a:buNone/>
             </a:pPr>
             <a:r>
-              <a:rPr lang="en"/>
+              <a:rPr lang="en" dirty="0"/>
               <a:t>We are not going to spend time cleaning the data now, but we do have a workshop on this (Data Cleaning and Analysis with Microsoft Excel and Open Refine).</a:t>
             </a:r>
           </a:p>
@@ -1027,7 +1004,7 @@
               </a:spcBef>
               <a:buNone/>
             </a:pPr>
-            <a:endParaRPr/>
+            <a:endParaRPr dirty="0"/>
           </a:p>
           <a:p>
             <a:pPr lvl="0">
@@ -1036,7 +1013,7 @@
               </a:spcBef>
               <a:buNone/>
             </a:pPr>
-            <a:endParaRPr/>
+            <a:endParaRPr dirty="0"/>
           </a:p>
         </p:txBody>
       </p:sp>
@@ -1137,10 +1114,7 @@
               </a:spcBef>
               <a:buNone/>
             </a:pPr>
-            <a:r>
-              <a:rPr lang="en"/>
-              <a:t>Monica/Alison</a:t>
-            </a:r>
+            <a:endParaRPr lang="en" dirty="0"/>
           </a:p>
         </p:txBody>
       </p:sp>
@@ -1386,7 +1360,7 @@
         </p:nvSpPr>
         <p:spPr>
           <a:xfrm>
-            <a:off x="1143300" y="685800"/>
+            <a:off x="1143000" y="685800"/>
             <a:ext cx="4572000" cy="3429000"/>
           </a:xfrm>
           <a:custGeom>
@@ -1446,10 +1420,7 @@
               </a:spcBef>
               <a:buNone/>
             </a:pPr>
-            <a:r>
-              <a:rPr lang="en"/>
-              <a:t>Alison/Monica</a:t>
-            </a:r>
+            <a:endParaRPr lang="en" dirty="0"/>
           </a:p>
         </p:txBody>
       </p:sp>
@@ -1651,10 +1622,7 @@
               </a:spcBef>
               <a:buNone/>
             </a:pPr>
-            <a:r>
-              <a:rPr lang="en"/>
-              <a:t>Alison</a:t>
-            </a:r>
+            <a:endParaRPr lang="en" dirty="0"/>
           </a:p>
         </p:txBody>
       </p:sp>
@@ -2260,10 +2228,7 @@
               </a:spcBef>
               <a:buNone/>
             </a:pPr>
-            <a:r>
-              <a:rPr lang="en"/>
-              <a:t>Jennifer</a:t>
-            </a:r>
+            <a:endParaRPr dirty="0"/>
           </a:p>
           <a:p>
             <a:pPr lvl="0" rtl="0">
@@ -2272,7 +2237,10 @@
               </a:spcBef>
               <a:buNone/>
             </a:pPr>
-            <a:endParaRPr/>
+            <a:r>
+              <a:rPr lang="en" dirty="0"/>
+              <a:t>We want to expose you to a variety of tools and also introduce some on the standard process involved when you are considering or starting a visualization, while also giving a good amount of time for practicing with two tools specifically. </a:t>
+            </a:r>
           </a:p>
           <a:p>
             <a:pPr lvl="0" rtl="0">
@@ -2281,19 +2249,7 @@
               </a:spcBef>
               <a:buNone/>
             </a:pPr>
-            <a:r>
-              <a:rPr lang="en"/>
-              <a:t>We want to expose you to a variety of tools and also introduce some on the standard process involved when you are considering or starting a visualization, while also giving a good amount of time for practicing with two tools specifically. </a:t>
-            </a:r>
-          </a:p>
-          <a:p>
-            <a:pPr lvl="0" rtl="0">
-              <a:spcBef>
-                <a:spcPts val="0"/>
-              </a:spcBef>
-              <a:buNone/>
-            </a:pPr>
-            <a:endParaRPr/>
+            <a:endParaRPr dirty="0"/>
           </a:p>
           <a:p>
             <a:pPr lvl="0">
@@ -2303,7 +2259,7 @@
               <a:buNone/>
             </a:pPr>
             <a:r>
-              <a:rPr lang="en"/>
+              <a:rPr lang="en" dirty="0"/>
               <a:t>Alison will be leading the activity portion of the workshop, while Hannah and I will be circulating the room to answer questions. For instance, if you get behind in the steps or have trouble with your laptop, just raise your hand and one of us will come over. This will just help us maximize the hour.</a:t>
             </a:r>
           </a:p>
@@ -2406,10 +2362,7 @@
               </a:spcBef>
               <a:buNone/>
             </a:pPr>
-            <a:r>
-              <a:rPr lang="en"/>
-              <a:t>Alison</a:t>
-            </a:r>
+            <a:endParaRPr lang="en" dirty="0"/>
           </a:p>
         </p:txBody>
       </p:sp>
@@ -2511,8 +2464,12 @@
               <a:buNone/>
             </a:pPr>
             <a:r>
-              <a:rPr lang="en"/>
-              <a:t>Jennifer - Because we will share these slides with you, we wanted to add a slide with links to many of the tools we will be covering today. </a:t>
+              <a:rPr lang="en" dirty="0" smtClean="0"/>
+              <a:t>Because </a:t>
+            </a:r>
+            <a:r>
+              <a:rPr lang="en" dirty="0"/>
+              <a:t>we will share these slides with you, we wanted to add a slide with links to many of the tools we will be covering today. </a:t>
             </a:r>
           </a:p>
           <a:p>
@@ -2522,7 +2479,7 @@
               </a:spcBef>
               <a:buNone/>
             </a:pPr>
-            <a:endParaRPr/>
+            <a:endParaRPr dirty="0"/>
           </a:p>
           <a:p>
             <a:pPr lvl="0" rtl="0">
@@ -2532,7 +2489,7 @@
               <a:buNone/>
             </a:pPr>
             <a:r>
-              <a:rPr lang="en"/>
+              <a:rPr lang="en" dirty="0"/>
               <a:t>You can revisit these slides for easy access in the future.</a:t>
             </a:r>
           </a:p>
@@ -2543,7 +2500,7 @@
               </a:spcBef>
               <a:buNone/>
             </a:pPr>
-            <a:endParaRPr/>
+            <a:endParaRPr dirty="0"/>
           </a:p>
           <a:p>
             <a:pPr lvl="0" rtl="0">
@@ -2553,7 +2510,7 @@
               <a:buNone/>
             </a:pPr>
             <a:r>
-              <a:rPr lang="en"/>
+              <a:rPr lang="en" dirty="0"/>
               <a:t>Some of the tools we’ve listed here, we do offer other workshops on. Today we are focusing on Plotly and Raw, but we have workshops that cover Tableau and CartoDB. The tools we have chosen for today are great for quickly visualizing your data. We think this is key to the exploration stage. While there are other tools that maybe look a bit prettier, we chose these tools because you can get ideas on how your data might be visualized (or even if it needs visualization) quickly, with little time invested. </a:t>
             </a:r>
           </a:p>
@@ -2564,7 +2521,7 @@
               </a:spcBef>
               <a:buNone/>
             </a:pPr>
-            <a:endParaRPr/>
+            <a:endParaRPr dirty="0"/>
           </a:p>
           <a:p>
             <a:pPr lvl="0" rtl="0">
@@ -2573,7 +2530,7 @@
               </a:spcBef>
               <a:buNone/>
             </a:pPr>
-            <a:endParaRPr/>
+            <a:endParaRPr dirty="0"/>
           </a:p>
         </p:txBody>
       </p:sp>
@@ -2775,22 +2732,7 @@
               </a:spcBef>
               <a:buNone/>
             </a:pPr>
-            <a:r>
-              <a:rPr lang="en"/>
-              <a:t>Monica </a:t>
-            </a:r>
-          </a:p>
-          <a:p>
-            <a:pPr lvl="0">
-              <a:spcBef>
-                <a:spcPts val="0"/>
-              </a:spcBef>
-              <a:buNone/>
-            </a:pPr>
-            <a:r>
-              <a:rPr lang="en"/>
-              <a:t>You can pair up with someone if you want to.</a:t>
-            </a:r>
+            <a:endParaRPr lang="en" dirty="0"/>
           </a:p>
         </p:txBody>
       </p:sp>
@@ -2885,25 +2827,13 @@
           </a:bodyPr>
           <a:lstStyle/>
           <a:p>
-            <a:pPr lvl="0" rtl="0">
-              <a:spcBef>
-                <a:spcPts val="0"/>
-              </a:spcBef>
-              <a:buNone/>
-            </a:pPr>
-            <a:r>
-              <a:rPr lang="en"/>
-              <a:t>Alison</a:t>
-            </a:r>
-          </a:p>
-          <a:p>
             <a:pPr lvl="0">
               <a:spcBef>
                 <a:spcPts val="0"/>
               </a:spcBef>
               <a:buNone/>
             </a:pPr>
-            <a:endParaRPr/>
+            <a:endParaRPr dirty="0"/>
           </a:p>
         </p:txBody>
       </p:sp>
@@ -3004,10 +2934,7 @@
               </a:spcBef>
               <a:buNone/>
             </a:pPr>
-            <a:r>
-              <a:rPr lang="en"/>
-              <a:t>Alison</a:t>
-            </a:r>
+            <a:endParaRPr lang="en" dirty="0"/>
           </a:p>
         </p:txBody>
       </p:sp>
@@ -9499,7 +9426,7 @@
         </p:blipFill>
         <p:spPr>
           <a:xfrm>
-            <a:off x="7252705" y="5246747"/>
+            <a:off x="7252700" y="5611574"/>
             <a:ext cx="1579600" cy="960400"/>
           </a:xfrm>
           <a:prstGeom prst="rect">
